--- a/presentation/presentation.pptx
+++ b/presentation/presentation.pptx
@@ -121,6 +121,11 @@
       </a:defRPr>
     </a:lvl9pPr>
   </p:defaultTextStyle>
+  <p:extLst>
+    <p:ext uri="{EFAFB233-063F-42B5-8137-9DF3F51BA10A}">
+      <p15:sldGuideLst xmlns:p15="http://schemas.microsoft.com/office/powerpoint/2012/main"/>
+    </p:ext>
+  </p:extLst>
 </p:presentation>
 </file>
 
@@ -201,6 +206,11 @@
               </a:ln>
               <a:effectLst/>
             </c:spPr>
+            <c:extLst>
+              <c:ext xmlns:c16="http://schemas.microsoft.com/office/drawing/2014/chart" uri="{C3380CC4-5D6E-409C-BE32-E72D297353CC}">
+                <c16:uniqueId val="{00000001-0371-F14C-B270-C4024522A290}"/>
+              </c:ext>
+            </c:extLst>
           </c:dPt>
           <c:dPt>
             <c:idx val="1"/>
@@ -216,6 +226,11 @@
               </a:ln>
               <a:effectLst/>
             </c:spPr>
+            <c:extLst>
+              <c:ext xmlns:c16="http://schemas.microsoft.com/office/drawing/2014/chart" uri="{C3380CC4-5D6E-409C-BE32-E72D297353CC}">
+                <c16:uniqueId val="{00000003-0371-F14C-B270-C4024522A290}"/>
+              </c:ext>
+            </c:extLst>
           </c:dPt>
           <c:cat>
             <c:strRef>
@@ -1042,7 +1057,7 @@
           <a:p>
             <a:fld id="{771952B1-9318-5A45-BA37-84FA0F4D99F5}" type="datetimeFigureOut">
               <a:rPr lang="en-US" smtClean="0"/>
-              <a:t>11/7/18</a:t>
+              <a:t>11/9/18</a:t>
             </a:fld>
             <a:endParaRPr lang="en-US"/>
           </a:p>
@@ -1240,7 +1255,7 @@
           <a:p>
             <a:fld id="{771952B1-9318-5A45-BA37-84FA0F4D99F5}" type="datetimeFigureOut">
               <a:rPr lang="en-US" smtClean="0"/>
-              <a:t>11/7/18</a:t>
+              <a:t>11/9/18</a:t>
             </a:fld>
             <a:endParaRPr lang="en-US"/>
           </a:p>
@@ -1448,7 +1463,7 @@
           <a:p>
             <a:fld id="{771952B1-9318-5A45-BA37-84FA0F4D99F5}" type="datetimeFigureOut">
               <a:rPr lang="en-US" smtClean="0"/>
-              <a:t>11/7/18</a:t>
+              <a:t>11/9/18</a:t>
             </a:fld>
             <a:endParaRPr lang="en-US"/>
           </a:p>
@@ -1646,7 +1661,7 @@
           <a:p>
             <a:fld id="{771952B1-9318-5A45-BA37-84FA0F4D99F5}" type="datetimeFigureOut">
               <a:rPr lang="en-US" smtClean="0"/>
-              <a:t>11/7/18</a:t>
+              <a:t>11/9/18</a:t>
             </a:fld>
             <a:endParaRPr lang="en-US"/>
           </a:p>
@@ -1921,7 +1936,7 @@
           <a:p>
             <a:fld id="{771952B1-9318-5A45-BA37-84FA0F4D99F5}" type="datetimeFigureOut">
               <a:rPr lang="en-US" smtClean="0"/>
-              <a:t>11/7/18</a:t>
+              <a:t>11/9/18</a:t>
             </a:fld>
             <a:endParaRPr lang="en-US"/>
           </a:p>
@@ -2186,7 +2201,7 @@
           <a:p>
             <a:fld id="{771952B1-9318-5A45-BA37-84FA0F4D99F5}" type="datetimeFigureOut">
               <a:rPr lang="en-US" smtClean="0"/>
-              <a:t>11/7/18</a:t>
+              <a:t>11/9/18</a:t>
             </a:fld>
             <a:endParaRPr lang="en-US"/>
           </a:p>
@@ -2598,7 +2613,7 @@
           <a:p>
             <a:fld id="{771952B1-9318-5A45-BA37-84FA0F4D99F5}" type="datetimeFigureOut">
               <a:rPr lang="en-US" smtClean="0"/>
-              <a:t>11/7/18</a:t>
+              <a:t>11/9/18</a:t>
             </a:fld>
             <a:endParaRPr lang="en-US"/>
           </a:p>
@@ -2739,7 +2754,7 @@
           <a:p>
             <a:fld id="{771952B1-9318-5A45-BA37-84FA0F4D99F5}" type="datetimeFigureOut">
               <a:rPr lang="en-US" smtClean="0"/>
-              <a:t>11/7/18</a:t>
+              <a:t>11/9/18</a:t>
             </a:fld>
             <a:endParaRPr lang="en-US"/>
           </a:p>
@@ -2852,7 +2867,7 @@
           <a:p>
             <a:fld id="{771952B1-9318-5A45-BA37-84FA0F4D99F5}" type="datetimeFigureOut">
               <a:rPr lang="en-US" smtClean="0"/>
-              <a:t>11/7/18</a:t>
+              <a:t>11/9/18</a:t>
             </a:fld>
             <a:endParaRPr lang="en-US"/>
           </a:p>
@@ -3163,7 +3178,7 @@
           <a:p>
             <a:fld id="{771952B1-9318-5A45-BA37-84FA0F4D99F5}" type="datetimeFigureOut">
               <a:rPr lang="en-US" smtClean="0"/>
-              <a:t>11/7/18</a:t>
+              <a:t>11/9/18</a:t>
             </a:fld>
             <a:endParaRPr lang="en-US"/>
           </a:p>
@@ -3451,7 +3466,7 @@
           <a:p>
             <a:fld id="{771952B1-9318-5A45-BA37-84FA0F4D99F5}" type="datetimeFigureOut">
               <a:rPr lang="en-US" smtClean="0"/>
-              <a:t>11/7/18</a:t>
+              <a:t>11/9/18</a:t>
             </a:fld>
             <a:endParaRPr lang="en-US"/>
           </a:p>
@@ -3692,7 +3707,7 @@
           <a:p>
             <a:fld id="{771952B1-9318-5A45-BA37-84FA0F4D99F5}" type="datetimeFigureOut">
               <a:rPr lang="en-US" smtClean="0"/>
-              <a:t>11/7/18</a:t>
+              <a:t>11/9/18</a:t>
             </a:fld>
             <a:endParaRPr lang="en-US"/>
           </a:p>
@@ -4336,6 +4351,164 @@
   <p:clrMapOvr>
     <a:masterClrMapping/>
   </p:clrMapOvr>
+  <p:timing>
+    <p:tnLst>
+      <p:par>
+        <p:cTn id="1" dur="indefinite" restart="never" nodeType="tmRoot">
+          <p:childTnLst>
+            <p:seq concurrent="1" nextAc="seek">
+              <p:cTn id="2" dur="indefinite" nodeType="mainSeq">
+                <p:childTnLst>
+                  <p:par>
+                    <p:cTn id="3" fill="hold">
+                      <p:stCondLst>
+                        <p:cond delay="indefinite"/>
+                      </p:stCondLst>
+                      <p:childTnLst>
+                        <p:par>
+                          <p:cTn id="4" fill="hold">
+                            <p:stCondLst>
+                              <p:cond delay="0"/>
+                            </p:stCondLst>
+                            <p:childTnLst>
+                              <p:par>
+                                <p:cTn id="5" presetID="1" presetClass="entr" presetSubtype="0" fill="hold" grpId="0" nodeType="clickEffect">
+                                  <p:stCondLst>
+                                    <p:cond delay="0"/>
+                                  </p:stCondLst>
+                                  <p:childTnLst>
+                                    <p:set>
+                                      <p:cBhvr>
+                                        <p:cTn id="6" dur="1" fill="hold">
+                                          <p:stCondLst>
+                                            <p:cond delay="0"/>
+                                          </p:stCondLst>
+                                        </p:cTn>
+                                        <p:tgtEl>
+                                          <p:spTgt spid="3">
+                                            <p:txEl>
+                                              <p:pRg st="0" end="0"/>
+                                            </p:txEl>
+                                          </p:spTgt>
+                                        </p:tgtEl>
+                                        <p:attrNameLst>
+                                          <p:attrName>style.visibility</p:attrName>
+                                        </p:attrNameLst>
+                                      </p:cBhvr>
+                                      <p:to>
+                                        <p:strVal val="visible"/>
+                                      </p:to>
+                                    </p:set>
+                                  </p:childTnLst>
+                                </p:cTn>
+                              </p:par>
+                              <p:par>
+                                <p:cTn id="7" presetID="1" presetClass="entr" presetSubtype="0" fill="hold" nodeType="withEffect">
+                                  <p:stCondLst>
+                                    <p:cond delay="0"/>
+                                  </p:stCondLst>
+                                  <p:childTnLst>
+                                    <p:set>
+                                      <p:cBhvr>
+                                        <p:cTn id="8" dur="1" fill="hold">
+                                          <p:stCondLst>
+                                            <p:cond delay="0"/>
+                                          </p:stCondLst>
+                                        </p:cTn>
+                                        <p:tgtEl>
+                                          <p:spTgt spid="6"/>
+                                        </p:tgtEl>
+                                        <p:attrNameLst>
+                                          <p:attrName>style.visibility</p:attrName>
+                                        </p:attrNameLst>
+                                      </p:cBhvr>
+                                      <p:to>
+                                        <p:strVal val="visible"/>
+                                      </p:to>
+                                    </p:set>
+                                  </p:childTnLst>
+                                </p:cTn>
+                              </p:par>
+                            </p:childTnLst>
+                          </p:cTn>
+                        </p:par>
+                      </p:childTnLst>
+                    </p:cTn>
+                  </p:par>
+                  <p:par>
+                    <p:cTn id="9" fill="hold">
+                      <p:stCondLst>
+                        <p:cond delay="indefinite"/>
+                      </p:stCondLst>
+                      <p:childTnLst>
+                        <p:par>
+                          <p:cTn id="10" fill="hold">
+                            <p:stCondLst>
+                              <p:cond delay="0"/>
+                            </p:stCondLst>
+                            <p:childTnLst>
+                              <p:par>
+                                <p:cTn id="11" presetID="1" presetClass="entr" presetSubtype="0" fill="hold" grpId="0" nodeType="clickEffect">
+                                  <p:stCondLst>
+                                    <p:cond delay="0"/>
+                                  </p:stCondLst>
+                                  <p:childTnLst>
+                                    <p:set>
+                                      <p:cBhvr>
+                                        <p:cTn id="12" dur="1" fill="hold">
+                                          <p:stCondLst>
+                                            <p:cond delay="0"/>
+                                          </p:stCondLst>
+                                        </p:cTn>
+                                        <p:tgtEl>
+                                          <p:spTgt spid="3">
+                                            <p:txEl>
+                                              <p:pRg st="1" end="1"/>
+                                            </p:txEl>
+                                          </p:spTgt>
+                                        </p:tgtEl>
+                                        <p:attrNameLst>
+                                          <p:attrName>style.visibility</p:attrName>
+                                        </p:attrNameLst>
+                                      </p:cBhvr>
+                                      <p:to>
+                                        <p:strVal val="visible"/>
+                                      </p:to>
+                                    </p:set>
+                                  </p:childTnLst>
+                                </p:cTn>
+                              </p:par>
+                            </p:childTnLst>
+                          </p:cTn>
+                        </p:par>
+                      </p:childTnLst>
+                    </p:cTn>
+                  </p:par>
+                </p:childTnLst>
+              </p:cTn>
+              <p:prevCondLst>
+                <p:cond evt="onPrev" delay="0">
+                  <p:tgtEl>
+                    <p:sldTgt/>
+                  </p:tgtEl>
+                </p:cond>
+              </p:prevCondLst>
+              <p:nextCondLst>
+                <p:cond evt="onNext" delay="0">
+                  <p:tgtEl>
+                    <p:sldTgt/>
+                  </p:tgtEl>
+                </p:cond>
+              </p:nextCondLst>
+            </p:seq>
+          </p:childTnLst>
+        </p:cTn>
+      </p:par>
+    </p:tnLst>
+    <p:bldLst>
+      <p:bldP spid="3" grpId="0" uiExpand="1" build="p"/>
+    </p:bldLst>
+  </p:timing>
 </p:sld>
 </file>
 
@@ -4586,6 +4759,182 @@
   <p:clrMapOvr>
     <a:masterClrMapping/>
   </p:clrMapOvr>
+  <p:timing>
+    <p:tnLst>
+      <p:par>
+        <p:cTn id="1" dur="indefinite" restart="never" nodeType="tmRoot">
+          <p:childTnLst>
+            <p:seq concurrent="1" nextAc="seek">
+              <p:cTn id="2" dur="indefinite" nodeType="mainSeq">
+                <p:childTnLst>
+                  <p:par>
+                    <p:cTn id="3" fill="hold">
+                      <p:stCondLst>
+                        <p:cond delay="indefinite"/>
+                      </p:stCondLst>
+                      <p:childTnLst>
+                        <p:par>
+                          <p:cTn id="4" fill="hold">
+                            <p:stCondLst>
+                              <p:cond delay="0"/>
+                            </p:stCondLst>
+                            <p:childTnLst>
+                              <p:par>
+                                <p:cTn id="5" presetID="1" presetClass="entr" presetSubtype="0" fill="hold" nodeType="clickEffect">
+                                  <p:stCondLst>
+                                    <p:cond delay="0"/>
+                                  </p:stCondLst>
+                                  <p:childTnLst>
+                                    <p:set>
+                                      <p:cBhvr>
+                                        <p:cTn id="6" dur="1" fill="hold">
+                                          <p:stCondLst>
+                                            <p:cond delay="0"/>
+                                          </p:stCondLst>
+                                        </p:cTn>
+                                        <p:tgtEl>
+                                          <p:spTgt spid="6"/>
+                                        </p:tgtEl>
+                                        <p:attrNameLst>
+                                          <p:attrName>style.visibility</p:attrName>
+                                        </p:attrNameLst>
+                                      </p:cBhvr>
+                                      <p:to>
+                                        <p:strVal val="visible"/>
+                                      </p:to>
+                                    </p:set>
+                                  </p:childTnLst>
+                                </p:cTn>
+                              </p:par>
+                            </p:childTnLst>
+                          </p:cTn>
+                        </p:par>
+                      </p:childTnLst>
+                    </p:cTn>
+                  </p:par>
+                  <p:par>
+                    <p:cTn id="7" fill="hold">
+                      <p:stCondLst>
+                        <p:cond delay="indefinite"/>
+                      </p:stCondLst>
+                      <p:childTnLst>
+                        <p:par>
+                          <p:cTn id="8" fill="hold">
+                            <p:stCondLst>
+                              <p:cond delay="0"/>
+                            </p:stCondLst>
+                            <p:childTnLst>
+                              <p:par>
+                                <p:cTn id="9" presetID="1" presetClass="entr" presetSubtype="0" fill="hold" grpId="0" nodeType="clickEffect">
+                                  <p:stCondLst>
+                                    <p:cond delay="0"/>
+                                  </p:stCondLst>
+                                  <p:childTnLst>
+                                    <p:set>
+                                      <p:cBhvr>
+                                        <p:cTn id="10" dur="1" fill="hold">
+                                          <p:stCondLst>
+                                            <p:cond delay="0"/>
+                                          </p:stCondLst>
+                                        </p:cTn>
+                                        <p:tgtEl>
+                                          <p:spTgt spid="3">
+                                            <p:txEl>
+                                              <p:pRg st="2" end="2"/>
+                                            </p:txEl>
+                                          </p:spTgt>
+                                        </p:tgtEl>
+                                        <p:attrNameLst>
+                                          <p:attrName>style.visibility</p:attrName>
+                                        </p:attrNameLst>
+                                      </p:cBhvr>
+                                      <p:to>
+                                        <p:strVal val="visible"/>
+                                      </p:to>
+                                    </p:set>
+                                  </p:childTnLst>
+                                </p:cTn>
+                              </p:par>
+                            </p:childTnLst>
+                          </p:cTn>
+                        </p:par>
+                      </p:childTnLst>
+                    </p:cTn>
+                  </p:par>
+                  <p:par>
+                    <p:cTn id="11" fill="hold">
+                      <p:stCondLst>
+                        <p:cond delay="indefinite"/>
+                      </p:stCondLst>
+                      <p:childTnLst>
+                        <p:par>
+                          <p:cTn id="12" fill="hold">
+                            <p:stCondLst>
+                              <p:cond delay="0"/>
+                            </p:stCondLst>
+                            <p:childTnLst>
+                              <p:par>
+                                <p:cTn id="13" presetID="1" presetClass="entr" presetSubtype="0" fill="hold" grpId="0" nodeType="clickEffect">
+                                  <p:stCondLst>
+                                    <p:cond delay="0"/>
+                                  </p:stCondLst>
+                                  <p:childTnLst>
+                                    <p:set>
+                                      <p:cBhvr>
+                                        <p:cTn id="14" dur="1" fill="hold">
+                                          <p:stCondLst>
+                                            <p:cond delay="0"/>
+                                          </p:stCondLst>
+                                        </p:cTn>
+                                        <p:tgtEl>
+                                          <p:spTgt spid="3">
+                                            <p:txEl>
+                                              <p:pRg st="4" end="4"/>
+                                            </p:txEl>
+                                          </p:spTgt>
+                                        </p:tgtEl>
+                                        <p:attrNameLst>
+                                          <p:attrName>style.visibility</p:attrName>
+                                        </p:attrNameLst>
+                                      </p:cBhvr>
+                                      <p:to>
+                                        <p:strVal val="visible"/>
+                                      </p:to>
+                                    </p:set>
+                                  </p:childTnLst>
+                                </p:cTn>
+                              </p:par>
+                            </p:childTnLst>
+                          </p:cTn>
+                        </p:par>
+                      </p:childTnLst>
+                    </p:cTn>
+                  </p:par>
+                </p:childTnLst>
+              </p:cTn>
+              <p:prevCondLst>
+                <p:cond evt="onPrev" delay="0">
+                  <p:tgtEl>
+                    <p:sldTgt/>
+                  </p:tgtEl>
+                </p:cond>
+              </p:prevCondLst>
+              <p:nextCondLst>
+                <p:cond evt="onNext" delay="0">
+                  <p:tgtEl>
+                    <p:sldTgt/>
+                  </p:tgtEl>
+                </p:cond>
+              </p:nextCondLst>
+            </p:seq>
+          </p:childTnLst>
+        </p:cTn>
+      </p:par>
+    </p:tnLst>
+    <p:bldLst>
+      <p:bldP spid="3" grpId="0" uiExpand="1" build="p"/>
+    </p:bldLst>
+  </p:timing>
 </p:sld>
 </file>
 
@@ -4767,6 +5116,182 @@
   <p:clrMapOvr>
     <a:masterClrMapping/>
   </p:clrMapOvr>
+  <p:timing>
+    <p:tnLst>
+      <p:par>
+        <p:cTn id="1" dur="indefinite" restart="never" nodeType="tmRoot">
+          <p:childTnLst>
+            <p:seq concurrent="1" nextAc="seek">
+              <p:cTn id="2" dur="indefinite" nodeType="mainSeq">
+                <p:childTnLst>
+                  <p:par>
+                    <p:cTn id="3" fill="hold">
+                      <p:stCondLst>
+                        <p:cond delay="indefinite"/>
+                      </p:stCondLst>
+                      <p:childTnLst>
+                        <p:par>
+                          <p:cTn id="4" fill="hold">
+                            <p:stCondLst>
+                              <p:cond delay="0"/>
+                            </p:stCondLst>
+                            <p:childTnLst>
+                              <p:par>
+                                <p:cTn id="5" presetID="1" presetClass="entr" presetSubtype="0" fill="hold" nodeType="clickEffect">
+                                  <p:stCondLst>
+                                    <p:cond delay="0"/>
+                                  </p:stCondLst>
+                                  <p:childTnLst>
+                                    <p:set>
+                                      <p:cBhvr>
+                                        <p:cTn id="6" dur="1" fill="hold">
+                                          <p:stCondLst>
+                                            <p:cond delay="0"/>
+                                          </p:stCondLst>
+                                        </p:cTn>
+                                        <p:tgtEl>
+                                          <p:spTgt spid="6"/>
+                                        </p:tgtEl>
+                                        <p:attrNameLst>
+                                          <p:attrName>style.visibility</p:attrName>
+                                        </p:attrNameLst>
+                                      </p:cBhvr>
+                                      <p:to>
+                                        <p:strVal val="visible"/>
+                                      </p:to>
+                                    </p:set>
+                                  </p:childTnLst>
+                                </p:cTn>
+                              </p:par>
+                            </p:childTnLst>
+                          </p:cTn>
+                        </p:par>
+                      </p:childTnLst>
+                    </p:cTn>
+                  </p:par>
+                  <p:par>
+                    <p:cTn id="7" fill="hold">
+                      <p:stCondLst>
+                        <p:cond delay="indefinite"/>
+                      </p:stCondLst>
+                      <p:childTnLst>
+                        <p:par>
+                          <p:cTn id="8" fill="hold">
+                            <p:stCondLst>
+                              <p:cond delay="0"/>
+                            </p:stCondLst>
+                            <p:childTnLst>
+                              <p:par>
+                                <p:cTn id="9" presetID="1" presetClass="entr" presetSubtype="0" fill="hold" grpId="0" nodeType="clickEffect">
+                                  <p:stCondLst>
+                                    <p:cond delay="0"/>
+                                  </p:stCondLst>
+                                  <p:childTnLst>
+                                    <p:set>
+                                      <p:cBhvr>
+                                        <p:cTn id="10" dur="1" fill="hold">
+                                          <p:stCondLst>
+                                            <p:cond delay="0"/>
+                                          </p:stCondLst>
+                                        </p:cTn>
+                                        <p:tgtEl>
+                                          <p:spTgt spid="3">
+                                            <p:txEl>
+                                              <p:pRg st="2" end="2"/>
+                                            </p:txEl>
+                                          </p:spTgt>
+                                        </p:tgtEl>
+                                        <p:attrNameLst>
+                                          <p:attrName>style.visibility</p:attrName>
+                                        </p:attrNameLst>
+                                      </p:cBhvr>
+                                      <p:to>
+                                        <p:strVal val="visible"/>
+                                      </p:to>
+                                    </p:set>
+                                  </p:childTnLst>
+                                </p:cTn>
+                              </p:par>
+                            </p:childTnLst>
+                          </p:cTn>
+                        </p:par>
+                      </p:childTnLst>
+                    </p:cTn>
+                  </p:par>
+                  <p:par>
+                    <p:cTn id="11" fill="hold">
+                      <p:stCondLst>
+                        <p:cond delay="indefinite"/>
+                      </p:stCondLst>
+                      <p:childTnLst>
+                        <p:par>
+                          <p:cTn id="12" fill="hold">
+                            <p:stCondLst>
+                              <p:cond delay="0"/>
+                            </p:stCondLst>
+                            <p:childTnLst>
+                              <p:par>
+                                <p:cTn id="13" presetID="1" presetClass="entr" presetSubtype="0" fill="hold" grpId="0" nodeType="clickEffect">
+                                  <p:stCondLst>
+                                    <p:cond delay="0"/>
+                                  </p:stCondLst>
+                                  <p:childTnLst>
+                                    <p:set>
+                                      <p:cBhvr>
+                                        <p:cTn id="14" dur="1" fill="hold">
+                                          <p:stCondLst>
+                                            <p:cond delay="0"/>
+                                          </p:stCondLst>
+                                        </p:cTn>
+                                        <p:tgtEl>
+                                          <p:spTgt spid="3">
+                                            <p:txEl>
+                                              <p:pRg st="4" end="4"/>
+                                            </p:txEl>
+                                          </p:spTgt>
+                                        </p:tgtEl>
+                                        <p:attrNameLst>
+                                          <p:attrName>style.visibility</p:attrName>
+                                        </p:attrNameLst>
+                                      </p:cBhvr>
+                                      <p:to>
+                                        <p:strVal val="visible"/>
+                                      </p:to>
+                                    </p:set>
+                                  </p:childTnLst>
+                                </p:cTn>
+                              </p:par>
+                            </p:childTnLst>
+                          </p:cTn>
+                        </p:par>
+                      </p:childTnLst>
+                    </p:cTn>
+                  </p:par>
+                </p:childTnLst>
+              </p:cTn>
+              <p:prevCondLst>
+                <p:cond evt="onPrev" delay="0">
+                  <p:tgtEl>
+                    <p:sldTgt/>
+                  </p:tgtEl>
+                </p:cond>
+              </p:prevCondLst>
+              <p:nextCondLst>
+                <p:cond evt="onNext" delay="0">
+                  <p:tgtEl>
+                    <p:sldTgt/>
+                  </p:tgtEl>
+                </p:cond>
+              </p:nextCondLst>
+            </p:seq>
+          </p:childTnLst>
+        </p:cTn>
+      </p:par>
+    </p:tnLst>
+    <p:bldLst>
+      <p:bldP spid="3" grpId="0" uiExpand="1" build="p"/>
+    </p:bldLst>
+  </p:timing>
 </p:sld>
 </file>
 
@@ -4962,6 +5487,231 @@
   <p:clrMapOvr>
     <a:masterClrMapping/>
   </p:clrMapOvr>
+  <p:timing>
+    <p:tnLst>
+      <p:par>
+        <p:cTn id="1" dur="indefinite" restart="never" nodeType="tmRoot">
+          <p:childTnLst>
+            <p:seq concurrent="1" nextAc="seek">
+              <p:cTn id="2" dur="indefinite" nodeType="mainSeq">
+                <p:childTnLst>
+                  <p:par>
+                    <p:cTn id="3" fill="hold">
+                      <p:stCondLst>
+                        <p:cond delay="indefinite"/>
+                      </p:stCondLst>
+                      <p:childTnLst>
+                        <p:par>
+                          <p:cTn id="4" fill="hold">
+                            <p:stCondLst>
+                              <p:cond delay="0"/>
+                            </p:stCondLst>
+                            <p:childTnLst>
+                              <p:par>
+                                <p:cTn id="5" presetID="1" presetClass="entr" presetSubtype="0" fill="hold" nodeType="clickEffect">
+                                  <p:stCondLst>
+                                    <p:cond delay="0"/>
+                                  </p:stCondLst>
+                                  <p:childTnLst>
+                                    <p:set>
+                                      <p:cBhvr>
+                                        <p:cTn id="6" dur="1" fill="hold">
+                                          <p:stCondLst>
+                                            <p:cond delay="0"/>
+                                          </p:stCondLst>
+                                        </p:cTn>
+                                        <p:tgtEl>
+                                          <p:spTgt spid="6"/>
+                                        </p:tgtEl>
+                                        <p:attrNameLst>
+                                          <p:attrName>style.visibility</p:attrName>
+                                        </p:attrNameLst>
+                                      </p:cBhvr>
+                                      <p:to>
+                                        <p:strVal val="visible"/>
+                                      </p:to>
+                                    </p:set>
+                                  </p:childTnLst>
+                                </p:cTn>
+                              </p:par>
+                            </p:childTnLst>
+                          </p:cTn>
+                        </p:par>
+                      </p:childTnLst>
+                    </p:cTn>
+                  </p:par>
+                  <p:par>
+                    <p:cTn id="7" fill="hold">
+                      <p:stCondLst>
+                        <p:cond delay="indefinite"/>
+                      </p:stCondLst>
+                      <p:childTnLst>
+                        <p:par>
+                          <p:cTn id="8" fill="hold">
+                            <p:stCondLst>
+                              <p:cond delay="0"/>
+                            </p:stCondLst>
+                            <p:childTnLst>
+                              <p:par>
+                                <p:cTn id="9" presetID="1" presetClass="entr" presetSubtype="0" fill="hold" grpId="0" nodeType="clickEffect">
+                                  <p:stCondLst>
+                                    <p:cond delay="0"/>
+                                  </p:stCondLst>
+                                  <p:childTnLst>
+                                    <p:set>
+                                      <p:cBhvr>
+                                        <p:cTn id="10" dur="1" fill="hold">
+                                          <p:stCondLst>
+                                            <p:cond delay="0"/>
+                                          </p:stCondLst>
+                                        </p:cTn>
+                                        <p:tgtEl>
+                                          <p:spTgt spid="3">
+                                            <p:txEl>
+                                              <p:pRg st="1" end="1"/>
+                                            </p:txEl>
+                                          </p:spTgt>
+                                        </p:tgtEl>
+                                        <p:attrNameLst>
+                                          <p:attrName>style.visibility</p:attrName>
+                                        </p:attrNameLst>
+                                      </p:cBhvr>
+                                      <p:to>
+                                        <p:strVal val="visible"/>
+                                      </p:to>
+                                    </p:set>
+                                  </p:childTnLst>
+                                </p:cTn>
+                              </p:par>
+                            </p:childTnLst>
+                          </p:cTn>
+                        </p:par>
+                      </p:childTnLst>
+                    </p:cTn>
+                  </p:par>
+                  <p:par>
+                    <p:cTn id="11" fill="hold">
+                      <p:stCondLst>
+                        <p:cond delay="indefinite"/>
+                      </p:stCondLst>
+                      <p:childTnLst>
+                        <p:par>
+                          <p:cTn id="12" fill="hold">
+                            <p:stCondLst>
+                              <p:cond delay="0"/>
+                            </p:stCondLst>
+                            <p:childTnLst>
+                              <p:par>
+                                <p:cTn id="13" presetID="1" presetClass="entr" presetSubtype="0" fill="hold" grpId="0" nodeType="clickEffect">
+                                  <p:stCondLst>
+                                    <p:cond delay="0"/>
+                                  </p:stCondLst>
+                                  <p:childTnLst>
+                                    <p:set>
+                                      <p:cBhvr>
+                                        <p:cTn id="14" dur="1" fill="hold">
+                                          <p:stCondLst>
+                                            <p:cond delay="0"/>
+                                          </p:stCondLst>
+                                        </p:cTn>
+                                        <p:tgtEl>
+                                          <p:spTgt spid="3">
+                                            <p:txEl>
+                                              <p:pRg st="3" end="3"/>
+                                            </p:txEl>
+                                          </p:spTgt>
+                                        </p:tgtEl>
+                                        <p:attrNameLst>
+                                          <p:attrName>style.visibility</p:attrName>
+                                        </p:attrNameLst>
+                                      </p:cBhvr>
+                                      <p:to>
+                                        <p:strVal val="visible"/>
+                                      </p:to>
+                                    </p:set>
+                                  </p:childTnLst>
+                                </p:cTn>
+                              </p:par>
+                            </p:childTnLst>
+                          </p:cTn>
+                        </p:par>
+                      </p:childTnLst>
+                    </p:cTn>
+                  </p:par>
+                  <p:par>
+                    <p:cTn id="15" fill="hold">
+                      <p:stCondLst>
+                        <p:cond delay="indefinite"/>
+                      </p:stCondLst>
+                      <p:childTnLst>
+                        <p:par>
+                          <p:cTn id="16" fill="hold">
+                            <p:stCondLst>
+                              <p:cond delay="0"/>
+                            </p:stCondLst>
+                            <p:childTnLst>
+                              <p:par>
+                                <p:cTn id="17" presetID="1" presetClass="entr" presetSubtype="0" fill="hold" grpId="0" nodeType="clickEffect">
+                                  <p:stCondLst>
+                                    <p:cond delay="0"/>
+                                  </p:stCondLst>
+                                  <p:childTnLst>
+                                    <p:set>
+                                      <p:cBhvr>
+                                        <p:cTn id="18" dur="1" fill="hold">
+                                          <p:stCondLst>
+                                            <p:cond delay="0"/>
+                                          </p:stCondLst>
+                                        </p:cTn>
+                                        <p:tgtEl>
+                                          <p:spTgt spid="3">
+                                            <p:txEl>
+                                              <p:pRg st="5" end="5"/>
+                                            </p:txEl>
+                                          </p:spTgt>
+                                        </p:tgtEl>
+                                        <p:attrNameLst>
+                                          <p:attrName>style.visibility</p:attrName>
+                                        </p:attrNameLst>
+                                      </p:cBhvr>
+                                      <p:to>
+                                        <p:strVal val="visible"/>
+                                      </p:to>
+                                    </p:set>
+                                  </p:childTnLst>
+                                </p:cTn>
+                              </p:par>
+                            </p:childTnLst>
+                          </p:cTn>
+                        </p:par>
+                      </p:childTnLst>
+                    </p:cTn>
+                  </p:par>
+                </p:childTnLst>
+              </p:cTn>
+              <p:prevCondLst>
+                <p:cond evt="onPrev" delay="0">
+                  <p:tgtEl>
+                    <p:sldTgt/>
+                  </p:tgtEl>
+                </p:cond>
+              </p:prevCondLst>
+              <p:nextCondLst>
+                <p:cond evt="onNext" delay="0">
+                  <p:tgtEl>
+                    <p:sldTgt/>
+                  </p:tgtEl>
+                </p:cond>
+              </p:nextCondLst>
+            </p:seq>
+          </p:childTnLst>
+        </p:cTn>
+      </p:par>
+    </p:tnLst>
+    <p:bldLst>
+      <p:bldP spid="3" grpId="0" build="p"/>
+    </p:bldLst>
+  </p:timing>
 </p:sld>
 </file>
 
@@ -5119,6 +5869,136 @@
   <p:clrMapOvr>
     <a:masterClrMapping/>
   </p:clrMapOvr>
+  <p:timing>
+    <p:tnLst>
+      <p:par>
+        <p:cTn id="1" dur="indefinite" restart="never" nodeType="tmRoot">
+          <p:childTnLst>
+            <p:seq concurrent="1" nextAc="seek">
+              <p:cTn id="2" dur="indefinite" nodeType="mainSeq">
+                <p:childTnLst>
+                  <p:par>
+                    <p:cTn id="3" fill="hold">
+                      <p:stCondLst>
+                        <p:cond delay="indefinite"/>
+                      </p:stCondLst>
+                      <p:childTnLst>
+                        <p:par>
+                          <p:cTn id="4" fill="hold">
+                            <p:stCondLst>
+                              <p:cond delay="0"/>
+                            </p:stCondLst>
+                            <p:childTnLst>
+                              <p:par>
+                                <p:cTn id="5" presetID="1" presetClass="entr" presetSubtype="0" fill="hold" grpId="0" nodeType="clickEffect">
+                                  <p:stCondLst>
+                                    <p:cond delay="0"/>
+                                  </p:stCondLst>
+                                  <p:childTnLst>
+                                    <p:set>
+                                      <p:cBhvr>
+                                        <p:cTn id="6" dur="1" fill="hold">
+                                          <p:stCondLst>
+                                            <p:cond delay="0"/>
+                                          </p:stCondLst>
+                                        </p:cTn>
+                                        <p:tgtEl>
+                                          <p:spTgt spid="5"/>
+                                        </p:tgtEl>
+                                        <p:attrNameLst>
+                                          <p:attrName>style.visibility</p:attrName>
+                                        </p:attrNameLst>
+                                      </p:cBhvr>
+                                      <p:to>
+                                        <p:strVal val="visible"/>
+                                      </p:to>
+                                    </p:set>
+                                  </p:childTnLst>
+                                </p:cTn>
+                              </p:par>
+                            </p:childTnLst>
+                          </p:cTn>
+                        </p:par>
+                      </p:childTnLst>
+                    </p:cTn>
+                  </p:par>
+                  <p:par>
+                    <p:cTn id="7" fill="hold">
+                      <p:stCondLst>
+                        <p:cond delay="indefinite"/>
+                      </p:stCondLst>
+                      <p:childTnLst>
+                        <p:par>
+                          <p:cTn id="8" fill="hold">
+                            <p:stCondLst>
+                              <p:cond delay="0"/>
+                            </p:stCondLst>
+                            <p:childTnLst>
+                              <p:par>
+                                <p:cTn id="9" presetID="1" presetClass="entr" presetSubtype="0" fill="hold" grpId="0" nodeType="clickEffect">
+                                  <p:stCondLst>
+                                    <p:cond delay="0"/>
+                                  </p:stCondLst>
+                                  <p:childTnLst>
+                                    <p:set>
+                                      <p:cBhvr>
+                                        <p:cTn id="10" dur="1" fill="hold">
+                                          <p:stCondLst>
+                                            <p:cond delay="0"/>
+                                          </p:stCondLst>
+                                        </p:cTn>
+                                        <p:tgtEl>
+                                          <p:spTgt spid="4">
+                                            <p:txEl>
+                                              <p:pRg st="0" end="0"/>
+                                            </p:txEl>
+                                          </p:spTgt>
+                                        </p:tgtEl>
+                                        <p:attrNameLst>
+                                          <p:attrName>style.visibility</p:attrName>
+                                        </p:attrNameLst>
+                                      </p:cBhvr>
+                                      <p:to>
+                                        <p:strVal val="visible"/>
+                                      </p:to>
+                                    </p:set>
+                                  </p:childTnLst>
+                                </p:cTn>
+                              </p:par>
+                            </p:childTnLst>
+                          </p:cTn>
+                        </p:par>
+                      </p:childTnLst>
+                    </p:cTn>
+                  </p:par>
+                </p:childTnLst>
+              </p:cTn>
+              <p:prevCondLst>
+                <p:cond evt="onPrev" delay="0">
+                  <p:tgtEl>
+                    <p:sldTgt/>
+                  </p:tgtEl>
+                </p:cond>
+              </p:prevCondLst>
+              <p:nextCondLst>
+                <p:cond evt="onNext" delay="0">
+                  <p:tgtEl>
+                    <p:sldTgt/>
+                  </p:tgtEl>
+                </p:cond>
+              </p:nextCondLst>
+            </p:seq>
+          </p:childTnLst>
+        </p:cTn>
+      </p:par>
+    </p:tnLst>
+    <p:bldLst>
+      <p:bldGraphic spid="5" grpId="0">
+        <p:bldAsOne/>
+      </p:bldGraphic>
+      <p:bldP spid="4" grpId="0" build="p"/>
+    </p:bldLst>
+  </p:timing>
 </p:sld>
 </file>
 
@@ -5265,6 +6145,129 @@
   <p:clrMapOvr>
     <a:masterClrMapping/>
   </p:clrMapOvr>
+  <p:timing>
+    <p:tnLst>
+      <p:par>
+        <p:cTn id="1" dur="indefinite" restart="never" nodeType="tmRoot">
+          <p:childTnLst>
+            <p:seq concurrent="1" nextAc="seek">
+              <p:cTn id="2" dur="indefinite" nodeType="mainSeq">
+                <p:childTnLst>
+                  <p:par>
+                    <p:cTn id="3" fill="hold">
+                      <p:stCondLst>
+                        <p:cond delay="indefinite"/>
+                      </p:stCondLst>
+                      <p:childTnLst>
+                        <p:par>
+                          <p:cTn id="4" fill="hold">
+                            <p:stCondLst>
+                              <p:cond delay="0"/>
+                            </p:stCondLst>
+                            <p:childTnLst>
+                              <p:par>
+                                <p:cTn id="5" presetID="1" presetClass="entr" presetSubtype="0" fill="hold" nodeType="clickEffect">
+                                  <p:stCondLst>
+                                    <p:cond delay="0"/>
+                                  </p:stCondLst>
+                                  <p:childTnLst>
+                                    <p:set>
+                                      <p:cBhvr>
+                                        <p:cTn id="6" dur="1" fill="hold">
+                                          <p:stCondLst>
+                                            <p:cond delay="0"/>
+                                          </p:stCondLst>
+                                        </p:cTn>
+                                        <p:tgtEl>
+                                          <p:spTgt spid="6"/>
+                                        </p:tgtEl>
+                                        <p:attrNameLst>
+                                          <p:attrName>style.visibility</p:attrName>
+                                        </p:attrNameLst>
+                                      </p:cBhvr>
+                                      <p:to>
+                                        <p:strVal val="visible"/>
+                                      </p:to>
+                                    </p:set>
+                                  </p:childTnLst>
+                                </p:cTn>
+                              </p:par>
+                            </p:childTnLst>
+                          </p:cTn>
+                        </p:par>
+                      </p:childTnLst>
+                    </p:cTn>
+                  </p:par>
+                  <p:par>
+                    <p:cTn id="7" fill="hold">
+                      <p:stCondLst>
+                        <p:cond delay="indefinite"/>
+                      </p:stCondLst>
+                      <p:childTnLst>
+                        <p:par>
+                          <p:cTn id="8" fill="hold">
+                            <p:stCondLst>
+                              <p:cond delay="0"/>
+                            </p:stCondLst>
+                            <p:childTnLst>
+                              <p:par>
+                                <p:cTn id="9" presetID="1" presetClass="entr" presetSubtype="0" fill="hold" grpId="0" nodeType="clickEffect">
+                                  <p:stCondLst>
+                                    <p:cond delay="0"/>
+                                  </p:stCondLst>
+                                  <p:childTnLst>
+                                    <p:set>
+                                      <p:cBhvr>
+                                        <p:cTn id="10" dur="1" fill="hold">
+                                          <p:stCondLst>
+                                            <p:cond delay="0"/>
+                                          </p:stCondLst>
+                                        </p:cTn>
+                                        <p:tgtEl>
+                                          <p:spTgt spid="7"/>
+                                        </p:tgtEl>
+                                        <p:attrNameLst>
+                                          <p:attrName>style.visibility</p:attrName>
+                                        </p:attrNameLst>
+                                      </p:cBhvr>
+                                      <p:to>
+                                        <p:strVal val="visible"/>
+                                      </p:to>
+                                    </p:set>
+                                  </p:childTnLst>
+                                </p:cTn>
+                              </p:par>
+                            </p:childTnLst>
+                          </p:cTn>
+                        </p:par>
+                      </p:childTnLst>
+                    </p:cTn>
+                  </p:par>
+                </p:childTnLst>
+              </p:cTn>
+              <p:prevCondLst>
+                <p:cond evt="onPrev" delay="0">
+                  <p:tgtEl>
+                    <p:sldTgt/>
+                  </p:tgtEl>
+                </p:cond>
+              </p:prevCondLst>
+              <p:nextCondLst>
+                <p:cond evt="onNext" delay="0">
+                  <p:tgtEl>
+                    <p:sldTgt/>
+                  </p:tgtEl>
+                </p:cond>
+              </p:nextCondLst>
+            </p:seq>
+          </p:childTnLst>
+        </p:cTn>
+      </p:par>
+    </p:tnLst>
+    <p:bldLst>
+      <p:bldP spid="7" grpId="0" animBg="1"/>
+    </p:bldLst>
+  </p:timing>
 </p:sld>
 </file>
 
@@ -5411,6 +6414,129 @@
   <p:clrMapOvr>
     <a:masterClrMapping/>
   </p:clrMapOvr>
+  <p:timing>
+    <p:tnLst>
+      <p:par>
+        <p:cTn id="1" dur="indefinite" restart="never" nodeType="tmRoot">
+          <p:childTnLst>
+            <p:seq concurrent="1" nextAc="seek">
+              <p:cTn id="2" dur="indefinite" nodeType="mainSeq">
+                <p:childTnLst>
+                  <p:par>
+                    <p:cTn id="3" fill="hold">
+                      <p:stCondLst>
+                        <p:cond delay="indefinite"/>
+                      </p:stCondLst>
+                      <p:childTnLst>
+                        <p:par>
+                          <p:cTn id="4" fill="hold">
+                            <p:stCondLst>
+                              <p:cond delay="0"/>
+                            </p:stCondLst>
+                            <p:childTnLst>
+                              <p:par>
+                                <p:cTn id="5" presetID="1" presetClass="entr" presetSubtype="0" fill="hold" nodeType="clickEffect">
+                                  <p:stCondLst>
+                                    <p:cond delay="0"/>
+                                  </p:stCondLst>
+                                  <p:childTnLst>
+                                    <p:set>
+                                      <p:cBhvr>
+                                        <p:cTn id="6" dur="1" fill="hold">
+                                          <p:stCondLst>
+                                            <p:cond delay="0"/>
+                                          </p:stCondLst>
+                                        </p:cTn>
+                                        <p:tgtEl>
+                                          <p:spTgt spid="6"/>
+                                        </p:tgtEl>
+                                        <p:attrNameLst>
+                                          <p:attrName>style.visibility</p:attrName>
+                                        </p:attrNameLst>
+                                      </p:cBhvr>
+                                      <p:to>
+                                        <p:strVal val="visible"/>
+                                      </p:to>
+                                    </p:set>
+                                  </p:childTnLst>
+                                </p:cTn>
+                              </p:par>
+                            </p:childTnLst>
+                          </p:cTn>
+                        </p:par>
+                      </p:childTnLst>
+                    </p:cTn>
+                  </p:par>
+                  <p:par>
+                    <p:cTn id="7" fill="hold">
+                      <p:stCondLst>
+                        <p:cond delay="indefinite"/>
+                      </p:stCondLst>
+                      <p:childTnLst>
+                        <p:par>
+                          <p:cTn id="8" fill="hold">
+                            <p:stCondLst>
+                              <p:cond delay="0"/>
+                            </p:stCondLst>
+                            <p:childTnLst>
+                              <p:par>
+                                <p:cTn id="9" presetID="1" presetClass="entr" presetSubtype="0" fill="hold" grpId="0" nodeType="clickEffect">
+                                  <p:stCondLst>
+                                    <p:cond delay="0"/>
+                                  </p:stCondLst>
+                                  <p:childTnLst>
+                                    <p:set>
+                                      <p:cBhvr>
+                                        <p:cTn id="10" dur="1" fill="hold">
+                                          <p:stCondLst>
+                                            <p:cond delay="0"/>
+                                          </p:stCondLst>
+                                        </p:cTn>
+                                        <p:tgtEl>
+                                          <p:spTgt spid="7"/>
+                                        </p:tgtEl>
+                                        <p:attrNameLst>
+                                          <p:attrName>style.visibility</p:attrName>
+                                        </p:attrNameLst>
+                                      </p:cBhvr>
+                                      <p:to>
+                                        <p:strVal val="visible"/>
+                                      </p:to>
+                                    </p:set>
+                                  </p:childTnLst>
+                                </p:cTn>
+                              </p:par>
+                            </p:childTnLst>
+                          </p:cTn>
+                        </p:par>
+                      </p:childTnLst>
+                    </p:cTn>
+                  </p:par>
+                </p:childTnLst>
+              </p:cTn>
+              <p:prevCondLst>
+                <p:cond evt="onPrev" delay="0">
+                  <p:tgtEl>
+                    <p:sldTgt/>
+                  </p:tgtEl>
+                </p:cond>
+              </p:prevCondLst>
+              <p:nextCondLst>
+                <p:cond evt="onNext" delay="0">
+                  <p:tgtEl>
+                    <p:sldTgt/>
+                  </p:tgtEl>
+                </p:cond>
+              </p:nextCondLst>
+            </p:seq>
+          </p:childTnLst>
+        </p:cTn>
+      </p:par>
+    </p:tnLst>
+    <p:bldLst>
+      <p:bldP spid="7" grpId="0" animBg="1"/>
+    </p:bldLst>
+  </p:timing>
 </p:sld>
 </file>
 
@@ -5713,6 +6839,222 @@
   <p:clrMapOvr>
     <a:masterClrMapping/>
   </p:clrMapOvr>
+  <p:timing>
+    <p:tnLst>
+      <p:par>
+        <p:cTn id="1" dur="indefinite" restart="never" nodeType="tmRoot">
+          <p:childTnLst>
+            <p:seq concurrent="1" nextAc="seek">
+              <p:cTn id="2" dur="indefinite" nodeType="mainSeq">
+                <p:childTnLst>
+                  <p:par>
+                    <p:cTn id="3" fill="hold">
+                      <p:stCondLst>
+                        <p:cond delay="indefinite"/>
+                      </p:stCondLst>
+                      <p:childTnLst>
+                        <p:par>
+                          <p:cTn id="4" fill="hold">
+                            <p:stCondLst>
+                              <p:cond delay="0"/>
+                            </p:stCondLst>
+                            <p:childTnLst>
+                              <p:par>
+                                <p:cTn id="5" presetID="1" presetClass="entr" presetSubtype="0" fill="hold" grpId="0" nodeType="clickEffect">
+                                  <p:stCondLst>
+                                    <p:cond delay="0"/>
+                                  </p:stCondLst>
+                                  <p:childTnLst>
+                                    <p:set>
+                                      <p:cBhvr>
+                                        <p:cTn id="6" dur="1" fill="hold">
+                                          <p:stCondLst>
+                                            <p:cond delay="0"/>
+                                          </p:stCondLst>
+                                        </p:cTn>
+                                        <p:tgtEl>
+                                          <p:spTgt spid="4"/>
+                                        </p:tgtEl>
+                                        <p:attrNameLst>
+                                          <p:attrName>style.visibility</p:attrName>
+                                        </p:attrNameLst>
+                                      </p:cBhvr>
+                                      <p:to>
+                                        <p:strVal val="visible"/>
+                                      </p:to>
+                                    </p:set>
+                                  </p:childTnLst>
+                                </p:cTn>
+                              </p:par>
+                            </p:childTnLst>
+                          </p:cTn>
+                        </p:par>
+                      </p:childTnLst>
+                    </p:cTn>
+                  </p:par>
+                  <p:par>
+                    <p:cTn id="7" fill="hold">
+                      <p:stCondLst>
+                        <p:cond delay="indefinite"/>
+                      </p:stCondLst>
+                      <p:childTnLst>
+                        <p:par>
+                          <p:cTn id="8" fill="hold">
+                            <p:stCondLst>
+                              <p:cond delay="0"/>
+                            </p:stCondLst>
+                            <p:childTnLst>
+                              <p:par>
+                                <p:cTn id="9" presetID="1" presetClass="entr" presetSubtype="0" fill="hold" grpId="0" nodeType="clickEffect">
+                                  <p:stCondLst>
+                                    <p:cond delay="0"/>
+                                  </p:stCondLst>
+                                  <p:childTnLst>
+                                    <p:set>
+                                      <p:cBhvr>
+                                        <p:cTn id="10" dur="1" fill="hold">
+                                          <p:stCondLst>
+                                            <p:cond delay="0"/>
+                                          </p:stCondLst>
+                                        </p:cTn>
+                                        <p:tgtEl>
+                                          <p:spTgt spid="6"/>
+                                        </p:tgtEl>
+                                        <p:attrNameLst>
+                                          <p:attrName>style.visibility</p:attrName>
+                                        </p:attrNameLst>
+                                      </p:cBhvr>
+                                      <p:to>
+                                        <p:strVal val="visible"/>
+                                      </p:to>
+                                    </p:set>
+                                  </p:childTnLst>
+                                </p:cTn>
+                              </p:par>
+                            </p:childTnLst>
+                          </p:cTn>
+                        </p:par>
+                      </p:childTnLst>
+                    </p:cTn>
+                  </p:par>
+                  <p:par>
+                    <p:cTn id="11" fill="hold">
+                      <p:stCondLst>
+                        <p:cond delay="indefinite"/>
+                      </p:stCondLst>
+                      <p:childTnLst>
+                        <p:par>
+                          <p:cTn id="12" fill="hold">
+                            <p:stCondLst>
+                              <p:cond delay="0"/>
+                            </p:stCondLst>
+                            <p:childTnLst>
+                              <p:par>
+                                <p:cTn id="13" presetID="1" presetClass="entr" presetSubtype="0" fill="hold" grpId="0" nodeType="clickEffect">
+                                  <p:stCondLst>
+                                    <p:cond delay="0"/>
+                                  </p:stCondLst>
+                                  <p:childTnLst>
+                                    <p:set>
+                                      <p:cBhvr>
+                                        <p:cTn id="14" dur="1" fill="hold">
+                                          <p:stCondLst>
+                                            <p:cond delay="0"/>
+                                          </p:stCondLst>
+                                        </p:cTn>
+                                        <p:tgtEl>
+                                          <p:spTgt spid="5"/>
+                                        </p:tgtEl>
+                                        <p:attrNameLst>
+                                          <p:attrName>style.visibility</p:attrName>
+                                        </p:attrNameLst>
+                                      </p:cBhvr>
+                                      <p:to>
+                                        <p:strVal val="visible"/>
+                                      </p:to>
+                                    </p:set>
+                                  </p:childTnLst>
+                                </p:cTn>
+                              </p:par>
+                            </p:childTnLst>
+                          </p:cTn>
+                        </p:par>
+                      </p:childTnLst>
+                    </p:cTn>
+                  </p:par>
+                  <p:par>
+                    <p:cTn id="15" fill="hold">
+                      <p:stCondLst>
+                        <p:cond delay="indefinite"/>
+                      </p:stCondLst>
+                      <p:childTnLst>
+                        <p:par>
+                          <p:cTn id="16" fill="hold">
+                            <p:stCondLst>
+                              <p:cond delay="0"/>
+                            </p:stCondLst>
+                            <p:childTnLst>
+                              <p:par>
+                                <p:cTn id="17" presetID="1" presetClass="entr" presetSubtype="0" fill="hold" grpId="0" nodeType="clickEffect">
+                                  <p:stCondLst>
+                                    <p:cond delay="0"/>
+                                  </p:stCondLst>
+                                  <p:childTnLst>
+                                    <p:set>
+                                      <p:cBhvr>
+                                        <p:cTn id="18" dur="1" fill="hold">
+                                          <p:stCondLst>
+                                            <p:cond delay="0"/>
+                                          </p:stCondLst>
+                                        </p:cTn>
+                                        <p:tgtEl>
+                                          <p:spTgt spid="7"/>
+                                        </p:tgtEl>
+                                        <p:attrNameLst>
+                                          <p:attrName>style.visibility</p:attrName>
+                                        </p:attrNameLst>
+                                      </p:cBhvr>
+                                      <p:to>
+                                        <p:strVal val="visible"/>
+                                      </p:to>
+                                    </p:set>
+                                  </p:childTnLst>
+                                </p:cTn>
+                              </p:par>
+                            </p:childTnLst>
+                          </p:cTn>
+                        </p:par>
+                      </p:childTnLst>
+                    </p:cTn>
+                  </p:par>
+                </p:childTnLst>
+              </p:cTn>
+              <p:prevCondLst>
+                <p:cond evt="onPrev" delay="0">
+                  <p:tgtEl>
+                    <p:sldTgt/>
+                  </p:tgtEl>
+                </p:cond>
+              </p:prevCondLst>
+              <p:nextCondLst>
+                <p:cond evt="onNext" delay="0">
+                  <p:tgtEl>
+                    <p:sldTgt/>
+                  </p:tgtEl>
+                </p:cond>
+              </p:nextCondLst>
+            </p:seq>
+          </p:childTnLst>
+        </p:cTn>
+      </p:par>
+    </p:tnLst>
+    <p:bldLst>
+      <p:bldP spid="4" grpId="0"/>
+      <p:bldP spid="5" grpId="0"/>
+      <p:bldP spid="6" grpId="0"/>
+      <p:bldP spid="7" grpId="0"/>
+    </p:bldLst>
+  </p:timing>
 </p:sld>
 </file>
 
@@ -5866,6 +7208,130 @@
   <p:clrMapOvr>
     <a:masterClrMapping/>
   </p:clrMapOvr>
+  <p:timing>
+    <p:tnLst>
+      <p:par>
+        <p:cTn id="1" dur="indefinite" restart="never" nodeType="tmRoot">
+          <p:childTnLst>
+            <p:seq concurrent="1" nextAc="seek">
+              <p:cTn id="2" dur="indefinite" nodeType="mainSeq">
+                <p:childTnLst>
+                  <p:par>
+                    <p:cTn id="3" fill="hold">
+                      <p:stCondLst>
+                        <p:cond delay="indefinite"/>
+                      </p:stCondLst>
+                      <p:childTnLst>
+                        <p:par>
+                          <p:cTn id="4" fill="hold">
+                            <p:stCondLst>
+                              <p:cond delay="0"/>
+                            </p:stCondLst>
+                            <p:childTnLst>
+                              <p:par>
+                                <p:cTn id="5" presetID="1" presetClass="entr" presetSubtype="0" fill="hold" grpId="0" nodeType="clickEffect">
+                                  <p:stCondLst>
+                                    <p:cond delay="0"/>
+                                  </p:stCondLst>
+                                  <p:childTnLst>
+                                    <p:set>
+                                      <p:cBhvr>
+                                        <p:cTn id="6" dur="1" fill="hold">
+                                          <p:stCondLst>
+                                            <p:cond delay="0"/>
+                                          </p:stCondLst>
+                                        </p:cTn>
+                                        <p:tgtEl>
+                                          <p:spTgt spid="20"/>
+                                        </p:tgtEl>
+                                        <p:attrNameLst>
+                                          <p:attrName>style.visibility</p:attrName>
+                                        </p:attrNameLst>
+                                      </p:cBhvr>
+                                      <p:to>
+                                        <p:strVal val="visible"/>
+                                      </p:to>
+                                    </p:set>
+                                  </p:childTnLst>
+                                </p:cTn>
+                              </p:par>
+                            </p:childTnLst>
+                          </p:cTn>
+                        </p:par>
+                      </p:childTnLst>
+                    </p:cTn>
+                  </p:par>
+                  <p:par>
+                    <p:cTn id="7" fill="hold">
+                      <p:stCondLst>
+                        <p:cond delay="indefinite"/>
+                      </p:stCondLst>
+                      <p:childTnLst>
+                        <p:par>
+                          <p:cTn id="8" fill="hold">
+                            <p:stCondLst>
+                              <p:cond delay="0"/>
+                            </p:stCondLst>
+                            <p:childTnLst>
+                              <p:par>
+                                <p:cTn id="9" presetID="1" presetClass="entr" presetSubtype="0" fill="hold" grpId="0" nodeType="clickEffect">
+                                  <p:stCondLst>
+                                    <p:cond delay="0"/>
+                                  </p:stCondLst>
+                                  <p:childTnLst>
+                                    <p:set>
+                                      <p:cBhvr>
+                                        <p:cTn id="10" dur="1" fill="hold">
+                                          <p:stCondLst>
+                                            <p:cond delay="0"/>
+                                          </p:stCondLst>
+                                        </p:cTn>
+                                        <p:tgtEl>
+                                          <p:spTgt spid="21"/>
+                                        </p:tgtEl>
+                                        <p:attrNameLst>
+                                          <p:attrName>style.visibility</p:attrName>
+                                        </p:attrNameLst>
+                                      </p:cBhvr>
+                                      <p:to>
+                                        <p:strVal val="visible"/>
+                                      </p:to>
+                                    </p:set>
+                                  </p:childTnLst>
+                                </p:cTn>
+                              </p:par>
+                            </p:childTnLst>
+                          </p:cTn>
+                        </p:par>
+                      </p:childTnLst>
+                    </p:cTn>
+                  </p:par>
+                </p:childTnLst>
+              </p:cTn>
+              <p:prevCondLst>
+                <p:cond evt="onPrev" delay="0">
+                  <p:tgtEl>
+                    <p:sldTgt/>
+                  </p:tgtEl>
+                </p:cond>
+              </p:prevCondLst>
+              <p:nextCondLst>
+                <p:cond evt="onNext" delay="0">
+                  <p:tgtEl>
+                    <p:sldTgt/>
+                  </p:tgtEl>
+                </p:cond>
+              </p:nextCondLst>
+            </p:seq>
+          </p:childTnLst>
+        </p:cTn>
+      </p:par>
+    </p:tnLst>
+    <p:bldLst>
+      <p:bldP spid="20" grpId="0"/>
+      <p:bldP spid="21" grpId="0"/>
+    </p:bldLst>
+  </p:timing>
 </p:sld>
 </file>
 
@@ -5978,7 +7444,7 @@
               <a:rPr lang="en-US" dirty="0">
                 <a:latin typeface="Avenir Next" panose="020B0503020202020204" pitchFamily="34" charset="0"/>
               </a:rPr>
-              <a:t>INTERFACCIE</a:t>
+              <a:t>INTERFACCE</a:t>
             </a:r>
           </a:p>
         </p:txBody>
@@ -6153,6 +7619,216 @@
   <p:clrMapOvr>
     <a:masterClrMapping/>
   </p:clrMapOvr>
+  <p:timing>
+    <p:tnLst>
+      <p:par>
+        <p:cTn id="1" dur="indefinite" restart="never" nodeType="tmRoot">
+          <p:childTnLst>
+            <p:seq concurrent="1" nextAc="seek">
+              <p:cTn id="2" dur="indefinite" nodeType="mainSeq">
+                <p:childTnLst>
+                  <p:par>
+                    <p:cTn id="3" fill="hold">
+                      <p:stCondLst>
+                        <p:cond delay="indefinite"/>
+                      </p:stCondLst>
+                      <p:childTnLst>
+                        <p:par>
+                          <p:cTn id="4" fill="hold">
+                            <p:stCondLst>
+                              <p:cond delay="0"/>
+                            </p:stCondLst>
+                            <p:childTnLst>
+                              <p:par>
+                                <p:cTn id="5" presetID="1" presetClass="entr" presetSubtype="0" fill="hold" nodeType="clickEffect">
+                                  <p:stCondLst>
+                                    <p:cond delay="0"/>
+                                  </p:stCondLst>
+                                  <p:childTnLst>
+                                    <p:set>
+                                      <p:cBhvr>
+                                        <p:cTn id="6" dur="1" fill="hold">
+                                          <p:stCondLst>
+                                            <p:cond delay="0"/>
+                                          </p:stCondLst>
+                                        </p:cTn>
+                                        <p:tgtEl>
+                                          <p:spTgt spid="5"/>
+                                        </p:tgtEl>
+                                        <p:attrNameLst>
+                                          <p:attrName>style.visibility</p:attrName>
+                                        </p:attrNameLst>
+                                      </p:cBhvr>
+                                      <p:to>
+                                        <p:strVal val="visible"/>
+                                      </p:to>
+                                    </p:set>
+                                  </p:childTnLst>
+                                </p:cTn>
+                              </p:par>
+                            </p:childTnLst>
+                          </p:cTn>
+                        </p:par>
+                      </p:childTnLst>
+                    </p:cTn>
+                  </p:par>
+                  <p:par>
+                    <p:cTn id="7" fill="hold">
+                      <p:stCondLst>
+                        <p:cond delay="indefinite"/>
+                      </p:stCondLst>
+                      <p:childTnLst>
+                        <p:par>
+                          <p:cTn id="8" fill="hold">
+                            <p:stCondLst>
+                              <p:cond delay="0"/>
+                            </p:stCondLst>
+                            <p:childTnLst>
+                              <p:par>
+                                <p:cTn id="9" presetID="1" presetClass="entr" presetSubtype="0" fill="hold" nodeType="clickEffect">
+                                  <p:stCondLst>
+                                    <p:cond delay="0"/>
+                                  </p:stCondLst>
+                                  <p:childTnLst>
+                                    <p:set>
+                                      <p:cBhvr>
+                                        <p:cTn id="10" dur="1" fill="hold">
+                                          <p:stCondLst>
+                                            <p:cond delay="0"/>
+                                          </p:stCondLst>
+                                        </p:cTn>
+                                        <p:tgtEl>
+                                          <p:spTgt spid="7"/>
+                                        </p:tgtEl>
+                                        <p:attrNameLst>
+                                          <p:attrName>style.visibility</p:attrName>
+                                        </p:attrNameLst>
+                                      </p:cBhvr>
+                                      <p:to>
+                                        <p:strVal val="visible"/>
+                                      </p:to>
+                                    </p:set>
+                                  </p:childTnLst>
+                                </p:cTn>
+                              </p:par>
+                            </p:childTnLst>
+                          </p:cTn>
+                        </p:par>
+                      </p:childTnLst>
+                    </p:cTn>
+                  </p:par>
+                  <p:par>
+                    <p:cTn id="11" fill="hold">
+                      <p:stCondLst>
+                        <p:cond delay="indefinite"/>
+                      </p:stCondLst>
+                      <p:childTnLst>
+                        <p:par>
+                          <p:cTn id="12" fill="hold">
+                            <p:stCondLst>
+                              <p:cond delay="0"/>
+                            </p:stCondLst>
+                            <p:childTnLst>
+                              <p:par>
+                                <p:cTn id="13" presetID="1" presetClass="entr" presetSubtype="0" fill="hold" nodeType="clickEffect">
+                                  <p:stCondLst>
+                                    <p:cond delay="0"/>
+                                  </p:stCondLst>
+                                  <p:childTnLst>
+                                    <p:set>
+                                      <p:cBhvr>
+                                        <p:cTn id="14" dur="1" fill="hold">
+                                          <p:stCondLst>
+                                            <p:cond delay="0"/>
+                                          </p:stCondLst>
+                                        </p:cTn>
+                                        <p:tgtEl>
+                                          <p:spTgt spid="9"/>
+                                        </p:tgtEl>
+                                        <p:attrNameLst>
+                                          <p:attrName>style.visibility</p:attrName>
+                                        </p:attrNameLst>
+                                      </p:cBhvr>
+                                      <p:to>
+                                        <p:strVal val="visible"/>
+                                      </p:to>
+                                    </p:set>
+                                  </p:childTnLst>
+                                </p:cTn>
+                              </p:par>
+                            </p:childTnLst>
+                          </p:cTn>
+                        </p:par>
+                      </p:childTnLst>
+                    </p:cTn>
+                  </p:par>
+                  <p:par>
+                    <p:cTn id="15" fill="hold">
+                      <p:stCondLst>
+                        <p:cond delay="indefinite"/>
+                      </p:stCondLst>
+                      <p:childTnLst>
+                        <p:par>
+                          <p:cTn id="16" fill="hold">
+                            <p:stCondLst>
+                              <p:cond delay="0"/>
+                            </p:stCondLst>
+                            <p:childTnLst>
+                              <p:par>
+                                <p:cTn id="17" presetID="1" presetClass="entr" presetSubtype="0" fill="hold" nodeType="clickEffect">
+                                  <p:stCondLst>
+                                    <p:cond delay="0"/>
+                                  </p:stCondLst>
+                                  <p:childTnLst>
+                                    <p:set>
+                                      <p:cBhvr>
+                                        <p:cTn id="18" dur="1" fill="hold">
+                                          <p:stCondLst>
+                                            <p:cond delay="0"/>
+                                          </p:stCondLst>
+                                        </p:cTn>
+                                        <p:tgtEl>
+                                          <p:spTgt spid="11"/>
+                                        </p:tgtEl>
+                                        <p:attrNameLst>
+                                          <p:attrName>style.visibility</p:attrName>
+                                        </p:attrNameLst>
+                                      </p:cBhvr>
+                                      <p:to>
+                                        <p:strVal val="visible"/>
+                                      </p:to>
+                                    </p:set>
+                                  </p:childTnLst>
+                                </p:cTn>
+                              </p:par>
+                            </p:childTnLst>
+                          </p:cTn>
+                        </p:par>
+                      </p:childTnLst>
+                    </p:cTn>
+                  </p:par>
+                </p:childTnLst>
+              </p:cTn>
+              <p:prevCondLst>
+                <p:cond evt="onPrev" delay="0">
+                  <p:tgtEl>
+                    <p:sldTgt/>
+                  </p:tgtEl>
+                </p:cond>
+              </p:prevCondLst>
+              <p:nextCondLst>
+                <p:cond evt="onNext" delay="0">
+                  <p:tgtEl>
+                    <p:sldTgt/>
+                  </p:tgtEl>
+                </p:cond>
+              </p:nextCondLst>
+            </p:seq>
+          </p:childTnLst>
+        </p:cTn>
+      </p:par>
+    </p:tnLst>
+  </p:timing>
 </p:sld>
 </file>
 
@@ -6199,7 +7875,7 @@
               <a:rPr lang="en-US" dirty="0">
                 <a:latin typeface="Avenir Next" panose="020B0503020202020204" pitchFamily="34" charset="0"/>
               </a:rPr>
-              <a:t>WORKFLOW</a:t>
+              <a:t>FLUSSO APPLICAZIONE</a:t>
             </a:r>
           </a:p>
         </p:txBody>
@@ -6243,6 +7919,81 @@
   <p:clrMapOvr>
     <a:masterClrMapping/>
   </p:clrMapOvr>
+  <p:timing>
+    <p:tnLst>
+      <p:par>
+        <p:cTn id="1" dur="indefinite" restart="never" nodeType="tmRoot">
+          <p:childTnLst>
+            <p:seq concurrent="1" nextAc="seek">
+              <p:cTn id="2" dur="indefinite" nodeType="mainSeq">
+                <p:childTnLst>
+                  <p:par>
+                    <p:cTn id="3" fill="hold">
+                      <p:stCondLst>
+                        <p:cond delay="indefinite"/>
+                      </p:stCondLst>
+                      <p:childTnLst>
+                        <p:par>
+                          <p:cTn id="4" fill="hold">
+                            <p:stCondLst>
+                              <p:cond delay="0"/>
+                            </p:stCondLst>
+                            <p:childTnLst>
+                              <p:par>
+                                <p:cTn id="5" presetID="1" presetClass="entr" presetSubtype="0" fill="hold" nodeType="clickEffect">
+                                  <p:stCondLst>
+                                    <p:cond delay="0"/>
+                                  </p:stCondLst>
+                                  <p:childTnLst>
+                                    <p:set>
+                                      <p:cBhvr>
+                                        <p:cTn id="6" dur="1" fill="hold">
+                                          <p:stCondLst>
+                                            <p:cond delay="0"/>
+                                          </p:stCondLst>
+                                        </p:cTn>
+                                        <p:tgtEl>
+                                          <p:spTgt spid="5"/>
+                                        </p:tgtEl>
+                                        <p:attrNameLst>
+                                          <p:attrName>style.visibility</p:attrName>
+                                        </p:attrNameLst>
+                                      </p:cBhvr>
+                                      <p:to>
+                                        <p:strVal val="visible"/>
+                                      </p:to>
+                                    </p:set>
+                                  </p:childTnLst>
+                                </p:cTn>
+                              </p:par>
+                            </p:childTnLst>
+                          </p:cTn>
+                        </p:par>
+                      </p:childTnLst>
+                    </p:cTn>
+                  </p:par>
+                </p:childTnLst>
+              </p:cTn>
+              <p:prevCondLst>
+                <p:cond evt="onPrev" delay="0">
+                  <p:tgtEl>
+                    <p:sldTgt/>
+                  </p:tgtEl>
+                </p:cond>
+              </p:prevCondLst>
+              <p:nextCondLst>
+                <p:cond evt="onNext" delay="0">
+                  <p:tgtEl>
+                    <p:sldTgt/>
+                  </p:tgtEl>
+                </p:cond>
+              </p:nextCondLst>
+            </p:seq>
+          </p:childTnLst>
+        </p:cTn>
+      </p:par>
+    </p:tnLst>
+  </p:timing>
 </p:sld>
 </file>
 
@@ -6460,6 +8211,171 @@
   <p:clrMapOvr>
     <a:masterClrMapping/>
   </p:clrMapOvr>
+  <p:timing>
+    <p:tnLst>
+      <p:par>
+        <p:cTn id="1" dur="indefinite" restart="never" nodeType="tmRoot">
+          <p:childTnLst>
+            <p:seq concurrent="1" nextAc="seek">
+              <p:cTn id="2" dur="indefinite" nodeType="mainSeq">
+                <p:childTnLst>
+                  <p:par>
+                    <p:cTn id="3" fill="hold">
+                      <p:stCondLst>
+                        <p:cond delay="indefinite"/>
+                      </p:stCondLst>
+                      <p:childTnLst>
+                        <p:par>
+                          <p:cTn id="4" fill="hold">
+                            <p:stCondLst>
+                              <p:cond delay="0"/>
+                            </p:stCondLst>
+                            <p:childTnLst>
+                              <p:par>
+                                <p:cTn id="5" presetID="1" presetClass="entr" presetSubtype="0" fill="hold" nodeType="clickEffect">
+                                  <p:stCondLst>
+                                    <p:cond delay="0"/>
+                                  </p:stCondLst>
+                                  <p:childTnLst>
+                                    <p:set>
+                                      <p:cBhvr>
+                                        <p:cTn id="6" dur="1" fill="hold">
+                                          <p:stCondLst>
+                                            <p:cond delay="0"/>
+                                          </p:stCondLst>
+                                        </p:cTn>
+                                        <p:tgtEl>
+                                          <p:spTgt spid="10"/>
+                                        </p:tgtEl>
+                                        <p:attrNameLst>
+                                          <p:attrName>style.visibility</p:attrName>
+                                        </p:attrNameLst>
+                                      </p:cBhvr>
+                                      <p:to>
+                                        <p:strVal val="visible"/>
+                                      </p:to>
+                                    </p:set>
+                                  </p:childTnLst>
+                                </p:cTn>
+                              </p:par>
+                            </p:childTnLst>
+                          </p:cTn>
+                        </p:par>
+                      </p:childTnLst>
+                    </p:cTn>
+                  </p:par>
+                  <p:par>
+                    <p:cTn id="7" fill="hold">
+                      <p:stCondLst>
+                        <p:cond delay="indefinite"/>
+                      </p:stCondLst>
+                      <p:childTnLst>
+                        <p:par>
+                          <p:cTn id="8" fill="hold">
+                            <p:stCondLst>
+                              <p:cond delay="0"/>
+                            </p:stCondLst>
+                            <p:childTnLst>
+                              <p:par>
+                                <p:cTn id="9" presetID="1" presetClass="entr" presetSubtype="0" fill="hold" nodeType="clickEffect">
+                                  <p:stCondLst>
+                                    <p:cond delay="0"/>
+                                  </p:stCondLst>
+                                  <p:childTnLst>
+                                    <p:set>
+                                      <p:cBhvr>
+                                        <p:cTn id="10" dur="1" fill="hold">
+                                          <p:stCondLst>
+                                            <p:cond delay="0"/>
+                                          </p:stCondLst>
+                                        </p:cTn>
+                                        <p:tgtEl>
+                                          <p:spTgt spid="16"/>
+                                        </p:tgtEl>
+                                        <p:attrNameLst>
+                                          <p:attrName>style.visibility</p:attrName>
+                                        </p:attrNameLst>
+                                      </p:cBhvr>
+                                      <p:to>
+                                        <p:strVal val="visible"/>
+                                      </p:to>
+                                    </p:set>
+                                  </p:childTnLst>
+                                </p:cTn>
+                              </p:par>
+                            </p:childTnLst>
+                          </p:cTn>
+                        </p:par>
+                      </p:childTnLst>
+                    </p:cTn>
+                  </p:par>
+                  <p:par>
+                    <p:cTn id="11" fill="hold">
+                      <p:stCondLst>
+                        <p:cond delay="indefinite"/>
+                      </p:stCondLst>
+                      <p:childTnLst>
+                        <p:par>
+                          <p:cTn id="12" fill="hold">
+                            <p:stCondLst>
+                              <p:cond delay="0"/>
+                            </p:stCondLst>
+                            <p:childTnLst>
+                              <p:par>
+                                <p:cTn id="13" presetID="1" presetClass="entr" presetSubtype="0" fill="hold" nodeType="clickEffect">
+                                  <p:stCondLst>
+                                    <p:cond delay="0"/>
+                                  </p:stCondLst>
+                                  <p:childTnLst>
+                                    <p:set>
+                                      <p:cBhvr>
+                                        <p:cTn id="14" dur="1" fill="hold">
+                                          <p:stCondLst>
+                                            <p:cond delay="0"/>
+                                          </p:stCondLst>
+                                        </p:cTn>
+                                        <p:tgtEl>
+                                          <p:spTgt spid="12"/>
+                                        </p:tgtEl>
+                                        <p:attrNameLst>
+                                          <p:attrName>style.visibility</p:attrName>
+                                        </p:attrNameLst>
+                                      </p:cBhvr>
+                                      <p:to>
+                                        <p:strVal val="visible"/>
+                                      </p:to>
+                                    </p:set>
+                                  </p:childTnLst>
+                                </p:cTn>
+                              </p:par>
+                            </p:childTnLst>
+                          </p:cTn>
+                        </p:par>
+                      </p:childTnLst>
+                    </p:cTn>
+                  </p:par>
+                </p:childTnLst>
+              </p:cTn>
+              <p:prevCondLst>
+                <p:cond evt="onPrev" delay="0">
+                  <p:tgtEl>
+                    <p:sldTgt/>
+                  </p:tgtEl>
+                </p:cond>
+              </p:prevCondLst>
+              <p:nextCondLst>
+                <p:cond evt="onNext" delay="0">
+                  <p:tgtEl>
+                    <p:sldTgt/>
+                  </p:tgtEl>
+                </p:cond>
+              </p:nextCondLst>
+            </p:seq>
+          </p:childTnLst>
+        </p:cTn>
+      </p:par>
+    </p:tnLst>
+  </p:timing>
 </p:sld>
 </file>
 
@@ -6586,6 +8502,111 @@
   <p:clrMapOvr>
     <a:masterClrMapping/>
   </p:clrMapOvr>
+  <p:timing>
+    <p:tnLst>
+      <p:par>
+        <p:cTn id="1" dur="indefinite" restart="never" nodeType="tmRoot">
+          <p:childTnLst>
+            <p:seq concurrent="1" nextAc="seek">
+              <p:cTn id="2" dur="indefinite" nodeType="mainSeq">
+                <p:childTnLst>
+                  <p:par>
+                    <p:cTn id="3" fill="hold">
+                      <p:stCondLst>
+                        <p:cond delay="indefinite"/>
+                      </p:stCondLst>
+                      <p:childTnLst>
+                        <p:par>
+                          <p:cTn id="4" fill="hold">
+                            <p:stCondLst>
+                              <p:cond delay="0"/>
+                            </p:stCondLst>
+                            <p:childTnLst>
+                              <p:par>
+                                <p:cTn id="5" presetID="1" presetClass="entr" presetSubtype="0" fill="hold" grpId="0" nodeType="clickEffect">
+                                  <p:stCondLst>
+                                    <p:cond delay="0"/>
+                                  </p:stCondLst>
+                                  <p:childTnLst>
+                                    <p:set>
+                                      <p:cBhvr>
+                                        <p:cTn id="6" dur="1" fill="hold">
+                                          <p:stCondLst>
+                                            <p:cond delay="0"/>
+                                          </p:stCondLst>
+                                        </p:cTn>
+                                        <p:tgtEl>
+                                          <p:spTgt spid="6"/>
+                                        </p:tgtEl>
+                                        <p:attrNameLst>
+                                          <p:attrName>style.visibility</p:attrName>
+                                        </p:attrNameLst>
+                                      </p:cBhvr>
+                                      <p:to>
+                                        <p:strVal val="visible"/>
+                                      </p:to>
+                                    </p:set>
+                                  </p:childTnLst>
+                                </p:cTn>
+                              </p:par>
+                              <p:par>
+                                <p:cTn id="7" presetID="1" presetClass="entr" presetSubtype="0" fill="hold" nodeType="withEffect">
+                                  <p:stCondLst>
+                                    <p:cond delay="0"/>
+                                  </p:stCondLst>
+                                  <p:childTnLst>
+                                    <p:set>
+                                      <p:cBhvr>
+                                        <p:cTn id="8" dur="1" fill="hold">
+                                          <p:stCondLst>
+                                            <p:cond delay="0"/>
+                                          </p:stCondLst>
+                                        </p:cTn>
+                                        <p:tgtEl>
+                                          <p:spTgt spid="5"/>
+                                        </p:tgtEl>
+                                        <p:attrNameLst>
+                                          <p:attrName>style.visibility</p:attrName>
+                                        </p:attrNameLst>
+                                      </p:cBhvr>
+                                      <p:to>
+                                        <p:strVal val="visible"/>
+                                      </p:to>
+                                    </p:set>
+                                  </p:childTnLst>
+                                </p:cTn>
+                              </p:par>
+                            </p:childTnLst>
+                          </p:cTn>
+                        </p:par>
+                      </p:childTnLst>
+                    </p:cTn>
+                  </p:par>
+                </p:childTnLst>
+              </p:cTn>
+              <p:prevCondLst>
+                <p:cond evt="onPrev" delay="0">
+                  <p:tgtEl>
+                    <p:sldTgt/>
+                  </p:tgtEl>
+                </p:cond>
+              </p:prevCondLst>
+              <p:nextCondLst>
+                <p:cond evt="onNext" delay="0">
+                  <p:tgtEl>
+                    <p:sldTgt/>
+                  </p:tgtEl>
+                </p:cond>
+              </p:nextCondLst>
+            </p:seq>
+          </p:childTnLst>
+        </p:cTn>
+      </p:par>
+    </p:tnLst>
+    <p:bldLst>
+      <p:bldP spid="6" grpId="0"/>
+    </p:bldLst>
+  </p:timing>
 </p:sld>
 </file>
 
